--- a/Examples/Touch Screen Rotation/Touch Rotation.pptx
+++ b/Examples/Touch Screen Rotation/Touch Rotation.pptx
@@ -9,6 +9,7 @@
     <p:sldId id="257" r:id="rId3"/>
     <p:sldId id="258" r:id="rId4"/>
     <p:sldId id="259" r:id="rId5"/>
+    <p:sldId id="260" r:id="rId6"/>
   </p:sldIdLst>
   <p:sldSz cx="9144000" cy="6858000" type="screen4x3"/>
   <p:notesSz cx="6858000" cy="9144000"/>
@@ -5156,6 +5157,159 @@
 </p:sld>
 </file>
 
+<file path=ppt/slides/slide5.xml><?xml version="1.0" encoding="utf-8"?>
+<p:sld xmlns:a="http://schemas.openxmlformats.org/drawingml/2006/main" xmlns:r="http://schemas.openxmlformats.org/officeDocument/2006/relationships" xmlns:p="http://schemas.openxmlformats.org/presentationml/2006/main">
+  <p:cSld>
+    <p:spTree>
+      <p:nvGrpSpPr>
+        <p:cNvPr id="1" name=""/>
+        <p:cNvGrpSpPr/>
+        <p:nvPr/>
+      </p:nvGrpSpPr>
+      <p:grpSpPr>
+        <a:xfrm>
+          <a:off x="0" y="0"/>
+          <a:ext cx="0" cy="0"/>
+          <a:chOff x="0" y="0"/>
+          <a:chExt cx="0" cy="0"/>
+        </a:xfrm>
+      </p:grpSpPr>
+      <p:pic>
+        <p:nvPicPr>
+          <p:cNvPr id="1026" name="Picture 2" descr="C:\Users\syhs\Documents\GitHub\Adafruit-GFX-Library-Example-and-Resistive-Touch-Screen-Controller\Examples\Touch Screen Rotation\STMPE610.jpg"/>
+          <p:cNvPicPr>
+            <a:picLocks noChangeAspect="1" noChangeArrowheads="1"/>
+          </p:cNvPicPr>
+          <p:nvPr/>
+        </p:nvPicPr>
+        <p:blipFill>
+          <a:blip r:embed="rId2">
+            <a:extLst>
+              <a:ext uri="{28A0092B-C50C-407E-A947-70E740481C1C}">
+                <a14:useLocalDpi xmlns:a14="http://schemas.microsoft.com/office/drawing/2010/main" val="0"/>
+              </a:ext>
+            </a:extLst>
+          </a:blip>
+          <a:srcRect/>
+          <a:stretch>
+            <a:fillRect/>
+          </a:stretch>
+        </p:blipFill>
+        <p:spPr bwMode="auto">
+          <a:xfrm>
+            <a:off x="1547664" y="4221089"/>
+            <a:ext cx="3024336" cy="2311114"/>
+          </a:xfrm>
+          <a:prstGeom prst="rect">
+            <a:avLst/>
+          </a:prstGeom>
+          <a:noFill/>
+          <a:extLst>
+            <a:ext uri="{909E8E84-426E-40DD-AFC4-6F175D3DCCD1}">
+              <a14:hiddenFill xmlns:a14="http://schemas.microsoft.com/office/drawing/2010/main">
+                <a:solidFill>
+                  <a:srgbClr val="FFFFFF"/>
+                </a:solidFill>
+              </a14:hiddenFill>
+            </a:ext>
+          </a:extLst>
+        </p:spPr>
+      </p:pic>
+      <p:pic>
+        <p:nvPicPr>
+          <p:cNvPr id="1027" name="Picture 3" descr="C:\Users\syhs\Documents\GitHub\Adafruit-GFX-Library-Example-and-Resistive-Touch-Screen-Controller\Examples\Touch Screen Rotation\2050-00.jpg"/>
+          <p:cNvPicPr>
+            <a:picLocks noChangeAspect="1" noChangeArrowheads="1"/>
+          </p:cNvPicPr>
+          <p:nvPr/>
+        </p:nvPicPr>
+        <p:blipFill>
+          <a:blip r:embed="rId3">
+            <a:extLst>
+              <a:ext uri="{28A0092B-C50C-407E-A947-70E740481C1C}">
+                <a14:useLocalDpi xmlns:a14="http://schemas.microsoft.com/office/drawing/2010/main" val="0"/>
+              </a:ext>
+            </a:extLst>
+          </a:blip>
+          <a:srcRect/>
+          <a:stretch>
+            <a:fillRect/>
+          </a:stretch>
+        </p:blipFill>
+        <p:spPr bwMode="auto">
+          <a:xfrm>
+            <a:off x="107503" y="116632"/>
+            <a:ext cx="5671003" cy="3888432"/>
+          </a:xfrm>
+          <a:prstGeom prst="rect">
+            <a:avLst/>
+          </a:prstGeom>
+          <a:noFill/>
+          <a:extLst>
+            <a:ext uri="{909E8E84-426E-40DD-AFC4-6F175D3DCCD1}">
+              <a14:hiddenFill xmlns:a14="http://schemas.microsoft.com/office/drawing/2010/main">
+                <a:solidFill>
+                  <a:srgbClr val="FFFFFF"/>
+                </a:solidFill>
+              </a14:hiddenFill>
+            </a:ext>
+          </a:extLst>
+        </p:spPr>
+      </p:pic>
+      <p:pic>
+        <p:nvPicPr>
+          <p:cNvPr id="1028" name="Picture 4" descr="C:\Users\syhs\Documents\GitHub\Adafruit-GFX-Library-Example-and-Resistive-Touch-Screen-Controller\Hadware\Arduino Mega\arduino_mega.jpg"/>
+          <p:cNvPicPr>
+            <a:picLocks noChangeAspect="1" noChangeArrowheads="1"/>
+          </p:cNvPicPr>
+          <p:nvPr/>
+        </p:nvPicPr>
+        <p:blipFill>
+          <a:blip r:embed="rId4">
+            <a:extLst>
+              <a:ext uri="{28A0092B-C50C-407E-A947-70E740481C1C}">
+                <a14:useLocalDpi xmlns:a14="http://schemas.microsoft.com/office/drawing/2010/main" val="0"/>
+              </a:ext>
+            </a:extLst>
+          </a:blip>
+          <a:srcRect/>
+          <a:stretch>
+            <a:fillRect/>
+          </a:stretch>
+        </p:blipFill>
+        <p:spPr bwMode="auto">
+          <a:xfrm rot="5400000">
+            <a:off x="4245111" y="1693945"/>
+            <a:ext cx="6421726" cy="3175660"/>
+          </a:xfrm>
+          <a:prstGeom prst="rect">
+            <a:avLst/>
+          </a:prstGeom>
+          <a:noFill/>
+          <a:extLst>
+            <a:ext uri="{909E8E84-426E-40DD-AFC4-6F175D3DCCD1}">
+              <a14:hiddenFill xmlns:a14="http://schemas.microsoft.com/office/drawing/2010/main">
+                <a:solidFill>
+                  <a:srgbClr val="FFFFFF"/>
+                </a:solidFill>
+              </a14:hiddenFill>
+            </a:ext>
+          </a:extLst>
+        </p:spPr>
+      </p:pic>
+    </p:spTree>
+    <p:extLst>
+      <p:ext uri="{BB962C8B-B14F-4D97-AF65-F5344CB8AC3E}">
+        <p14:creationId xmlns:p14="http://schemas.microsoft.com/office/powerpoint/2010/main" val="3195366368"/>
+      </p:ext>
+    </p:extLst>
+  </p:cSld>
+  <p:clrMapOvr>
+    <a:masterClrMapping/>
+  </p:clrMapOvr>
+</p:sld>
+</file>
+
 <file path=ppt/theme/theme1.xml><?xml version="1.0" encoding="utf-8"?>
 <a:theme xmlns:a="http://schemas.openxmlformats.org/drawingml/2006/main" name="Tema de Office">
   <a:themeElements>
